--- a/docpac_sep24/Sep17 Review.pptx
+++ b/docpac_sep24/Sep17 Review.pptx
@@ -5,7 +5,7 @@
     <p:sldMasterId id="2147483648" r:id="rId1"/>
   </p:sldMasterIdLst>
   <p:notesMasterIdLst>
-    <p:notesMasterId r:id="rId11"/>
+    <p:notesMasterId r:id="rId12"/>
   </p:notesMasterIdLst>
   <p:sldIdLst>
     <p:sldId id="256" r:id="rId2"/>
@@ -16,7 +16,8 @@
     <p:sldId id="262" r:id="rId7"/>
     <p:sldId id="263" r:id="rId8"/>
     <p:sldId id="264" r:id="rId9"/>
-    <p:sldId id="265" r:id="rId10"/>
+    <p:sldId id="266" r:id="rId10"/>
+    <p:sldId id="265" r:id="rId11"/>
   </p:sldIdLst>
   <p:sldSz cx="12192000" cy="6858000"/>
   <p:notesSz cx="6858000" cy="9144000"/>
@@ -436,7 +437,7 @@
           <a:p>
             <a:fld id="{4828A99A-9010-49A2-8C18-2E5BE70F37B1}" type="datetimeFigureOut">
               <a:rPr lang="en-US" smtClean="0"/>
-              <a:t>9/19/2021</a:t>
+              <a:t>9/20/2021</a:t>
             </a:fld>
             <a:endParaRPr lang="en-US"/>
           </a:p>
@@ -1018,7 +1019,7 @@
           <a:p>
             <a:fld id="{EAEC2640-0ADC-4303-AF0D-362018433BB9}" type="datetimeFigureOut">
               <a:rPr lang="en-US" smtClean="0"/>
-              <a:t>9/19/2021</a:t>
+              <a:t>9/20/2021</a:t>
             </a:fld>
             <a:endParaRPr lang="en-US"/>
           </a:p>
@@ -1216,7 +1217,7 @@
           <a:p>
             <a:fld id="{EAEC2640-0ADC-4303-AF0D-362018433BB9}" type="datetimeFigureOut">
               <a:rPr lang="en-US" smtClean="0"/>
-              <a:t>9/19/2021</a:t>
+              <a:t>9/20/2021</a:t>
             </a:fld>
             <a:endParaRPr lang="en-US"/>
           </a:p>
@@ -1424,7 +1425,7 @@
           <a:p>
             <a:fld id="{EAEC2640-0ADC-4303-AF0D-362018433BB9}" type="datetimeFigureOut">
               <a:rPr lang="en-US" smtClean="0"/>
-              <a:t>9/19/2021</a:t>
+              <a:t>9/20/2021</a:t>
             </a:fld>
             <a:endParaRPr lang="en-US"/>
           </a:p>
@@ -1622,7 +1623,7 @@
           <a:p>
             <a:fld id="{EAEC2640-0ADC-4303-AF0D-362018433BB9}" type="datetimeFigureOut">
               <a:rPr lang="en-US" smtClean="0"/>
-              <a:t>9/19/2021</a:t>
+              <a:t>9/20/2021</a:t>
             </a:fld>
             <a:endParaRPr lang="en-US"/>
           </a:p>
@@ -1897,7 +1898,7 @@
           <a:p>
             <a:fld id="{EAEC2640-0ADC-4303-AF0D-362018433BB9}" type="datetimeFigureOut">
               <a:rPr lang="en-US" smtClean="0"/>
-              <a:t>9/19/2021</a:t>
+              <a:t>9/20/2021</a:t>
             </a:fld>
             <a:endParaRPr lang="en-US"/>
           </a:p>
@@ -2162,7 +2163,7 @@
           <a:p>
             <a:fld id="{EAEC2640-0ADC-4303-AF0D-362018433BB9}" type="datetimeFigureOut">
               <a:rPr lang="en-US" smtClean="0"/>
-              <a:t>9/19/2021</a:t>
+              <a:t>9/20/2021</a:t>
             </a:fld>
             <a:endParaRPr lang="en-US"/>
           </a:p>
@@ -2574,7 +2575,7 @@
           <a:p>
             <a:fld id="{EAEC2640-0ADC-4303-AF0D-362018433BB9}" type="datetimeFigureOut">
               <a:rPr lang="en-US" smtClean="0"/>
-              <a:t>9/19/2021</a:t>
+              <a:t>9/20/2021</a:t>
             </a:fld>
             <a:endParaRPr lang="en-US"/>
           </a:p>
@@ -2715,7 +2716,7 @@
           <a:p>
             <a:fld id="{EAEC2640-0ADC-4303-AF0D-362018433BB9}" type="datetimeFigureOut">
               <a:rPr lang="en-US" smtClean="0"/>
-              <a:t>9/19/2021</a:t>
+              <a:t>9/20/2021</a:t>
             </a:fld>
             <a:endParaRPr lang="en-US"/>
           </a:p>
@@ -2828,7 +2829,7 @@
           <a:p>
             <a:fld id="{EAEC2640-0ADC-4303-AF0D-362018433BB9}" type="datetimeFigureOut">
               <a:rPr lang="en-US" smtClean="0"/>
-              <a:t>9/19/2021</a:t>
+              <a:t>9/20/2021</a:t>
             </a:fld>
             <a:endParaRPr lang="en-US"/>
           </a:p>
@@ -3139,7 +3140,7 @@
           <a:p>
             <a:fld id="{EAEC2640-0ADC-4303-AF0D-362018433BB9}" type="datetimeFigureOut">
               <a:rPr lang="en-US" smtClean="0"/>
-              <a:t>9/19/2021</a:t>
+              <a:t>9/20/2021</a:t>
             </a:fld>
             <a:endParaRPr lang="en-US"/>
           </a:p>
@@ -3427,7 +3428,7 @@
           <a:p>
             <a:fld id="{EAEC2640-0ADC-4303-AF0D-362018433BB9}" type="datetimeFigureOut">
               <a:rPr lang="en-US" smtClean="0"/>
-              <a:t>9/19/2021</a:t>
+              <a:t>9/20/2021</a:t>
             </a:fld>
             <a:endParaRPr lang="en-US"/>
           </a:p>
@@ -3668,7 +3669,7 @@
           <a:p>
             <a:fld id="{EAEC2640-0ADC-4303-AF0D-362018433BB9}" type="datetimeFigureOut">
               <a:rPr lang="en-US" smtClean="0"/>
-              <a:t>9/19/2021</a:t>
+              <a:t>9/20/2021</a:t>
             </a:fld>
             <a:endParaRPr lang="en-US"/>
           </a:p>
@@ -4153,6 +4154,174 @@
   <p:clrMapOvr>
     <a:masterClrMapping/>
   </p:clrMapOvr>
+</p:sld>
+</file>
+
+<file path=ppt/slides/slide10.xml><?xml version="1.0" encoding="utf-8"?>
+<p:sld xmlns:a="http://schemas.openxmlformats.org/drawingml/2006/main" xmlns:r="http://schemas.openxmlformats.org/officeDocument/2006/relationships" xmlns:p="http://schemas.openxmlformats.org/presentationml/2006/main">
+  <p:cSld>
+    <p:spTree>
+      <p:nvGrpSpPr>
+        <p:cNvPr id="1" name=""/>
+        <p:cNvGrpSpPr/>
+        <p:nvPr/>
+      </p:nvGrpSpPr>
+      <p:grpSpPr>
+        <a:xfrm>
+          <a:off x="0" y="0"/>
+          <a:ext cx="0" cy="0"/>
+          <a:chOff x="0" y="0"/>
+          <a:chExt cx="0" cy="0"/>
+        </a:xfrm>
+      </p:grpSpPr>
+      <p:sp>
+        <p:nvSpPr>
+          <p:cNvPr id="2" name="Title 1">
+            <a:extLst>
+              <a:ext uri="{FF2B5EF4-FFF2-40B4-BE49-F238E27FC236}">
+                <a16:creationId xmlns:a16="http://schemas.microsoft.com/office/drawing/2014/main" id="{9F0D3669-BDB0-4526-96D8-022007F35B4F}"/>
+              </a:ext>
+            </a:extLst>
+          </p:cNvPr>
+          <p:cNvSpPr>
+            <a:spLocks noGrp="1"/>
+          </p:cNvSpPr>
+          <p:nvPr>
+            <p:ph type="title"/>
+          </p:nvPr>
+        </p:nvSpPr>
+        <p:spPr/>
+        <p:txBody>
+          <a:bodyPr/>
+          <a:lstStyle/>
+          <a:p>
+            <a:r>
+              <a:rPr lang="en-US" dirty="0"/>
+              <a:t>Mr. Smith doesn’t know what a static file server is…</a:t>
+            </a:r>
+          </a:p>
+        </p:txBody>
+      </p:sp>
+      <p:sp>
+        <p:nvSpPr>
+          <p:cNvPr id="3" name="Content Placeholder 2">
+            <a:extLst>
+              <a:ext uri="{FF2B5EF4-FFF2-40B4-BE49-F238E27FC236}">
+                <a16:creationId xmlns:a16="http://schemas.microsoft.com/office/drawing/2014/main" id="{B0953376-C002-4C5A-A5DF-86669EA714F7}"/>
+              </a:ext>
+            </a:extLst>
+          </p:cNvPr>
+          <p:cNvSpPr>
+            <a:spLocks noGrp="1"/>
+          </p:cNvSpPr>
+          <p:nvPr>
+            <p:ph idx="1"/>
+          </p:nvPr>
+        </p:nvSpPr>
+        <p:spPr/>
+        <p:txBody>
+          <a:bodyPr/>
+          <a:lstStyle/>
+          <a:p>
+            <a:r>
+              <a:rPr lang="en-US" dirty="0"/>
+              <a:t>So let’s review quickly:</a:t>
+            </a:r>
+          </a:p>
+        </p:txBody>
+      </p:sp>
+    </p:spTree>
+    <p:extLst>
+      <p:ext uri="{BB962C8B-B14F-4D97-AF65-F5344CB8AC3E}">
+        <p14:creationId xmlns:p14="http://schemas.microsoft.com/office/powerpoint/2010/main" val="1407406423"/>
+      </p:ext>
+    </p:extLst>
+  </p:cSld>
+  <p:clrMapOvr>
+    <a:masterClrMapping/>
+  </p:clrMapOvr>
+  <p:timing>
+    <p:tnLst>
+      <p:par>
+        <p:cTn id="1" dur="indefinite" restart="never" nodeType="tmRoot">
+          <p:childTnLst>
+            <p:seq concurrent="1" nextAc="seek">
+              <p:cTn id="2" dur="indefinite" nodeType="mainSeq">
+                <p:childTnLst>
+                  <p:par>
+                    <p:cTn id="3" fill="hold">
+                      <p:stCondLst>
+                        <p:cond delay="indefinite"/>
+                      </p:stCondLst>
+                      <p:childTnLst>
+                        <p:par>
+                          <p:cTn id="4" fill="hold">
+                            <p:stCondLst>
+                              <p:cond delay="0"/>
+                            </p:stCondLst>
+                            <p:childTnLst>
+                              <p:par>
+                                <p:cTn id="5" presetID="1" presetClass="entr" presetSubtype="0" fill="hold" grpId="0" nodeType="clickEffect">
+                                  <p:stCondLst>
+                                    <p:cond delay="0"/>
+                                  </p:stCondLst>
+                                  <p:childTnLst>
+                                    <p:set>
+                                      <p:cBhvr>
+                                        <p:cTn id="6" dur="1" fill="hold">
+                                          <p:stCondLst>
+                                            <p:cond delay="0"/>
+                                          </p:stCondLst>
+                                        </p:cTn>
+                                        <p:tgtEl>
+                                          <p:spTgt spid="3">
+                                            <p:txEl>
+                                              <p:pRg st="0" end="0"/>
+                                            </p:txEl>
+                                          </p:spTgt>
+                                        </p:tgtEl>
+                                        <p:attrNameLst>
+                                          <p:attrName>style.visibility</p:attrName>
+                                        </p:attrNameLst>
+                                      </p:cBhvr>
+                                      <p:to>
+                                        <p:strVal val="visible"/>
+                                      </p:to>
+                                    </p:set>
+                                  </p:childTnLst>
+                                </p:cTn>
+                              </p:par>
+                            </p:childTnLst>
+                          </p:cTn>
+                        </p:par>
+                      </p:childTnLst>
+                    </p:cTn>
+                  </p:par>
+                </p:childTnLst>
+              </p:cTn>
+              <p:prevCondLst>
+                <p:cond evt="onPrev" delay="0">
+                  <p:tgtEl>
+                    <p:sldTgt/>
+                  </p:tgtEl>
+                </p:cond>
+              </p:prevCondLst>
+              <p:nextCondLst>
+                <p:cond evt="onNext" delay="0">
+                  <p:tgtEl>
+                    <p:sldTgt/>
+                  </p:tgtEl>
+                </p:cond>
+              </p:nextCondLst>
+            </p:seq>
+          </p:childTnLst>
+        </p:cTn>
+      </p:par>
+    </p:tnLst>
+    <p:bldLst>
+      <p:bldP spid="3" grpId="0" build="p"/>
+    </p:bldLst>
+  </p:timing>
 </p:sld>
 </file>
 
@@ -6521,7 +6690,7 @@
           <p:cNvPr id="2" name="Title 1">
             <a:extLst>
               <a:ext uri="{FF2B5EF4-FFF2-40B4-BE49-F238E27FC236}">
-                <a16:creationId xmlns:a16="http://schemas.microsoft.com/office/drawing/2014/main" id="{9F0D3669-BDB0-4526-96D8-022007F35B4F}"/>
+                <a16:creationId xmlns:a16="http://schemas.microsoft.com/office/drawing/2014/main" id="{594B274D-DD88-4583-9892-50EFCF926840}"/>
               </a:ext>
             </a:extLst>
           </p:cNvPr>
@@ -6539,7 +6708,7 @@
           <a:p>
             <a:r>
               <a:rPr lang="en-US" dirty="0"/>
-              <a:t>Mr. Smith doesn’t know what a static file server is…</a:t>
+              <a:t>If you are going to miss a day of school</a:t>
             </a:r>
           </a:p>
         </p:txBody>
@@ -6549,7 +6718,7 @@
           <p:cNvPr id="3" name="Content Placeholder 2">
             <a:extLst>
               <a:ext uri="{FF2B5EF4-FFF2-40B4-BE49-F238E27FC236}">
-                <a16:creationId xmlns:a16="http://schemas.microsoft.com/office/drawing/2014/main" id="{B0953376-C002-4C5A-A5DF-86669EA714F7}"/>
+                <a16:creationId xmlns:a16="http://schemas.microsoft.com/office/drawing/2014/main" id="{03A60BE2-6FE9-4037-962E-7F70B8F3E298}"/>
               </a:ext>
             </a:extLst>
           </p:cNvPr>
@@ -6567,7 +6736,47 @@
           <a:p>
             <a:r>
               <a:rPr lang="en-US" dirty="0"/>
-              <a:t>So let’s review quickly:</a:t>
+              <a:t>Please send me an email</a:t>
+            </a:r>
+          </a:p>
+          <a:p>
+            <a:r>
+              <a:rPr lang="en-US" dirty="0"/>
+              <a:t>Schoology is for </a:t>
+            </a:r>
+            <a:r>
+              <a:rPr lang="en-US" dirty="0" err="1"/>
+              <a:t>lil</a:t>
+            </a:r>
+            <a:r>
+              <a:rPr lang="en-US" dirty="0"/>
+              <a:t>’ babies</a:t>
+            </a:r>
+          </a:p>
+          <a:p>
+            <a:r>
+              <a:rPr lang="en-US" dirty="0"/>
+              <a:t>Check the </a:t>
+            </a:r>
+            <a:r>
+              <a:rPr lang="en-US" dirty="0" err="1"/>
+              <a:t>Github</a:t>
+            </a:r>
+            <a:r>
+              <a:rPr lang="en-US" dirty="0"/>
+              <a:t> repo for DocPacs</a:t>
+            </a:r>
+          </a:p>
+          <a:p>
+            <a:r>
+              <a:rPr lang="en-US" dirty="0"/>
+              <a:t>Message your teammates on Slack</a:t>
+            </a:r>
+          </a:p>
+          <a:p>
+            <a:r>
+              <a:rPr lang="en-US" dirty="0"/>
+              <a:t>Have Slack available in case your team needs you</a:t>
             </a:r>
           </a:p>
         </p:txBody>
@@ -6575,13 +6784,291 @@
     </p:spTree>
     <p:extLst>
       <p:ext uri="{BB962C8B-B14F-4D97-AF65-F5344CB8AC3E}">
-        <p14:creationId xmlns:p14="http://schemas.microsoft.com/office/powerpoint/2010/main" val="1407406423"/>
+        <p14:creationId xmlns:p14="http://schemas.microsoft.com/office/powerpoint/2010/main" val="796169336"/>
       </p:ext>
     </p:extLst>
   </p:cSld>
   <p:clrMapOvr>
     <a:masterClrMapping/>
   </p:clrMapOvr>
+  <p:timing>
+    <p:tnLst>
+      <p:par>
+        <p:cTn id="1" dur="indefinite" restart="never" nodeType="tmRoot">
+          <p:childTnLst>
+            <p:seq concurrent="1" nextAc="seek">
+              <p:cTn id="2" dur="indefinite" nodeType="mainSeq">
+                <p:childTnLst>
+                  <p:par>
+                    <p:cTn id="3" fill="hold">
+                      <p:stCondLst>
+                        <p:cond delay="indefinite"/>
+                      </p:stCondLst>
+                      <p:childTnLst>
+                        <p:par>
+                          <p:cTn id="4" fill="hold">
+                            <p:stCondLst>
+                              <p:cond delay="0"/>
+                            </p:stCondLst>
+                            <p:childTnLst>
+                              <p:par>
+                                <p:cTn id="5" presetID="1" presetClass="entr" presetSubtype="0" fill="hold" grpId="0" nodeType="clickEffect">
+                                  <p:stCondLst>
+                                    <p:cond delay="0"/>
+                                  </p:stCondLst>
+                                  <p:childTnLst>
+                                    <p:set>
+                                      <p:cBhvr>
+                                        <p:cTn id="6" dur="1" fill="hold">
+                                          <p:stCondLst>
+                                            <p:cond delay="0"/>
+                                          </p:stCondLst>
+                                        </p:cTn>
+                                        <p:tgtEl>
+                                          <p:spTgt spid="3">
+                                            <p:txEl>
+                                              <p:pRg st="0" end="0"/>
+                                            </p:txEl>
+                                          </p:spTgt>
+                                        </p:tgtEl>
+                                        <p:attrNameLst>
+                                          <p:attrName>style.visibility</p:attrName>
+                                        </p:attrNameLst>
+                                      </p:cBhvr>
+                                      <p:to>
+                                        <p:strVal val="visible"/>
+                                      </p:to>
+                                    </p:set>
+                                  </p:childTnLst>
+                                </p:cTn>
+                              </p:par>
+                            </p:childTnLst>
+                          </p:cTn>
+                        </p:par>
+                      </p:childTnLst>
+                    </p:cTn>
+                  </p:par>
+                  <p:par>
+                    <p:cTn id="7" fill="hold">
+                      <p:stCondLst>
+                        <p:cond delay="indefinite"/>
+                      </p:stCondLst>
+                      <p:childTnLst>
+                        <p:par>
+                          <p:cTn id="8" fill="hold">
+                            <p:stCondLst>
+                              <p:cond delay="0"/>
+                            </p:stCondLst>
+                            <p:childTnLst>
+                              <p:par>
+                                <p:cTn id="9" presetID="1" presetClass="entr" presetSubtype="0" fill="hold" grpId="0" nodeType="clickEffect">
+                                  <p:stCondLst>
+                                    <p:cond delay="0"/>
+                                  </p:stCondLst>
+                                  <p:childTnLst>
+                                    <p:set>
+                                      <p:cBhvr>
+                                        <p:cTn id="10" dur="1" fill="hold">
+                                          <p:stCondLst>
+                                            <p:cond delay="0"/>
+                                          </p:stCondLst>
+                                        </p:cTn>
+                                        <p:tgtEl>
+                                          <p:spTgt spid="3">
+                                            <p:txEl>
+                                              <p:pRg st="1" end="1"/>
+                                            </p:txEl>
+                                          </p:spTgt>
+                                        </p:tgtEl>
+                                        <p:attrNameLst>
+                                          <p:attrName>style.visibility</p:attrName>
+                                        </p:attrNameLst>
+                                      </p:cBhvr>
+                                      <p:to>
+                                        <p:strVal val="visible"/>
+                                      </p:to>
+                                    </p:set>
+                                  </p:childTnLst>
+                                </p:cTn>
+                              </p:par>
+                            </p:childTnLst>
+                          </p:cTn>
+                        </p:par>
+                      </p:childTnLst>
+                    </p:cTn>
+                  </p:par>
+                  <p:par>
+                    <p:cTn id="11" fill="hold">
+                      <p:stCondLst>
+                        <p:cond delay="indefinite"/>
+                      </p:stCondLst>
+                      <p:childTnLst>
+                        <p:par>
+                          <p:cTn id="12" fill="hold">
+                            <p:stCondLst>
+                              <p:cond delay="0"/>
+                            </p:stCondLst>
+                            <p:childTnLst>
+                              <p:par>
+                                <p:cTn id="13" presetID="1" presetClass="entr" presetSubtype="0" fill="hold" grpId="0" nodeType="clickEffect">
+                                  <p:stCondLst>
+                                    <p:cond delay="0"/>
+                                  </p:stCondLst>
+                                  <p:childTnLst>
+                                    <p:set>
+                                      <p:cBhvr>
+                                        <p:cTn id="14" dur="1" fill="hold">
+                                          <p:stCondLst>
+                                            <p:cond delay="0"/>
+                                          </p:stCondLst>
+                                        </p:cTn>
+                                        <p:tgtEl>
+                                          <p:spTgt spid="3">
+                                            <p:txEl>
+                                              <p:pRg st="2" end="2"/>
+                                            </p:txEl>
+                                          </p:spTgt>
+                                        </p:tgtEl>
+                                        <p:attrNameLst>
+                                          <p:attrName>style.visibility</p:attrName>
+                                        </p:attrNameLst>
+                                      </p:cBhvr>
+                                      <p:to>
+                                        <p:strVal val="visible"/>
+                                      </p:to>
+                                    </p:set>
+                                  </p:childTnLst>
+                                </p:cTn>
+                              </p:par>
+                            </p:childTnLst>
+                          </p:cTn>
+                        </p:par>
+                      </p:childTnLst>
+                    </p:cTn>
+                  </p:par>
+                  <p:par>
+                    <p:cTn id="15" fill="hold">
+                      <p:stCondLst>
+                        <p:cond delay="indefinite"/>
+                      </p:stCondLst>
+                      <p:childTnLst>
+                        <p:par>
+                          <p:cTn id="16" fill="hold">
+                            <p:stCondLst>
+                              <p:cond delay="0"/>
+                            </p:stCondLst>
+                            <p:childTnLst>
+                              <p:par>
+                                <p:cTn id="17" presetID="1" presetClass="entr" presetSubtype="0" fill="hold" grpId="0" nodeType="clickEffect">
+                                  <p:stCondLst>
+                                    <p:cond delay="0"/>
+                                  </p:stCondLst>
+                                  <p:childTnLst>
+                                    <p:set>
+                                      <p:cBhvr>
+                                        <p:cTn id="18" dur="1" fill="hold">
+                                          <p:stCondLst>
+                                            <p:cond delay="0"/>
+                                          </p:stCondLst>
+                                        </p:cTn>
+                                        <p:tgtEl>
+                                          <p:spTgt spid="3">
+                                            <p:txEl>
+                                              <p:pRg st="3" end="3"/>
+                                            </p:txEl>
+                                          </p:spTgt>
+                                        </p:tgtEl>
+                                        <p:attrNameLst>
+                                          <p:attrName>style.visibility</p:attrName>
+                                        </p:attrNameLst>
+                                      </p:cBhvr>
+                                      <p:to>
+                                        <p:strVal val="visible"/>
+                                      </p:to>
+                                    </p:set>
+                                  </p:childTnLst>
+                                </p:cTn>
+                              </p:par>
+                            </p:childTnLst>
+                          </p:cTn>
+                        </p:par>
+                      </p:childTnLst>
+                    </p:cTn>
+                  </p:par>
+                  <p:par>
+                    <p:cTn id="19" fill="hold">
+                      <p:stCondLst>
+                        <p:cond delay="indefinite"/>
+                      </p:stCondLst>
+                      <p:childTnLst>
+                        <p:par>
+                          <p:cTn id="20" fill="hold">
+                            <p:stCondLst>
+                              <p:cond delay="0"/>
+                            </p:stCondLst>
+                            <p:childTnLst>
+                              <p:par>
+                                <p:cTn id="21" presetID="1" presetClass="entr" presetSubtype="0" fill="hold" grpId="0" nodeType="clickEffect">
+                                  <p:stCondLst>
+                                    <p:cond delay="0"/>
+                                  </p:stCondLst>
+                                  <p:childTnLst>
+                                    <p:set>
+                                      <p:cBhvr>
+                                        <p:cTn id="22" dur="1" fill="hold">
+                                          <p:stCondLst>
+                                            <p:cond delay="0"/>
+                                          </p:stCondLst>
+                                        </p:cTn>
+                                        <p:tgtEl>
+                                          <p:spTgt spid="3">
+                                            <p:txEl>
+                                              <p:pRg st="4" end="4"/>
+                                            </p:txEl>
+                                          </p:spTgt>
+                                        </p:tgtEl>
+                                        <p:attrNameLst>
+                                          <p:attrName>style.visibility</p:attrName>
+                                        </p:attrNameLst>
+                                      </p:cBhvr>
+                                      <p:to>
+                                        <p:strVal val="visible"/>
+                                      </p:to>
+                                    </p:set>
+                                  </p:childTnLst>
+                                </p:cTn>
+                              </p:par>
+                            </p:childTnLst>
+                          </p:cTn>
+                        </p:par>
+                      </p:childTnLst>
+                    </p:cTn>
+                  </p:par>
+                </p:childTnLst>
+              </p:cTn>
+              <p:prevCondLst>
+                <p:cond evt="onPrev" delay="0">
+                  <p:tgtEl>
+                    <p:sldTgt/>
+                  </p:tgtEl>
+                </p:cond>
+              </p:prevCondLst>
+              <p:nextCondLst>
+                <p:cond evt="onNext" delay="0">
+                  <p:tgtEl>
+                    <p:sldTgt/>
+                  </p:tgtEl>
+                </p:cond>
+              </p:nextCondLst>
+            </p:seq>
+          </p:childTnLst>
+        </p:cTn>
+      </p:par>
+    </p:tnLst>
+    <p:bldLst>
+      <p:bldP spid="3" grpId="0" build="p"/>
+    </p:bldLst>
+  </p:timing>
 </p:sld>
 </file>
 
